--- a/results/figures/pptx/impact_financial_situation.pptx
+++ b/results/figures/pptx/impact_financial_situation.pptx
@@ -2271,21 +2271,21 @@
           </p:nvSpPr>
           <p:spPr>
             <a:xfrm>
-              <a:off x="1084970" y="5078758"/>
-              <a:ext cx="7500608" cy="0"/>
+              <a:off x="1006499" y="6088827"/>
+              <a:ext cx="7591732" cy="0"/>
             </a:xfrm>
             <a:custGeom>
               <a:avLst/>
               <a:pathLst>
-                <a:path w="7500608" h="0">
+                <a:path w="7591732" h="0">
                   <a:moveTo>
                     <a:pt x="0" y="0"/>
                   </a:moveTo>
                   <a:lnTo>
-                    <a:pt x="7500608" y="0"/>
+                    <a:pt x="7591732" y="0"/>
                   </a:lnTo>
                   <a:lnTo>
-                    <a:pt x="7500608" y="0"/>
+                    <a:pt x="7591732" y="0"/>
                   </a:lnTo>
                 </a:path>
               </a:pathLst>
@@ -2314,21 +2314,21 @@
           </p:nvSpPr>
           <p:spPr>
             <a:xfrm>
-              <a:off x="1084970" y="4409025"/>
-              <a:ext cx="7500608" cy="0"/>
+              <a:off x="1006499" y="4657023"/>
+              <a:ext cx="7591732" cy="0"/>
             </a:xfrm>
             <a:custGeom>
               <a:avLst/>
               <a:pathLst>
-                <a:path w="7500608" h="0">
+                <a:path w="7591732" h="0">
                   <a:moveTo>
                     <a:pt x="0" y="0"/>
                   </a:moveTo>
                   <a:lnTo>
-                    <a:pt x="7500608" y="0"/>
+                    <a:pt x="7591732" y="0"/>
                   </a:lnTo>
                   <a:lnTo>
-                    <a:pt x="7500608" y="0"/>
+                    <a:pt x="7591732" y="0"/>
                   </a:lnTo>
                 </a:path>
               </a:pathLst>
@@ -2357,21 +2357,21 @@
           </p:nvSpPr>
           <p:spPr>
             <a:xfrm>
-              <a:off x="1084970" y="3739292"/>
-              <a:ext cx="7500608" cy="0"/>
+              <a:off x="1006499" y="3225219"/>
+              <a:ext cx="7591732" cy="0"/>
             </a:xfrm>
             <a:custGeom>
               <a:avLst/>
               <a:pathLst>
-                <a:path w="7500608" h="0">
+                <a:path w="7591732" h="0">
                   <a:moveTo>
                     <a:pt x="0" y="0"/>
                   </a:moveTo>
                   <a:lnTo>
-                    <a:pt x="7500608" y="0"/>
+                    <a:pt x="7591732" y="0"/>
                   </a:lnTo>
                   <a:lnTo>
-                    <a:pt x="7500608" y="0"/>
+                    <a:pt x="7591732" y="0"/>
                   </a:lnTo>
                 </a:path>
               </a:pathLst>
@@ -2400,21 +2400,21 @@
           </p:nvSpPr>
           <p:spPr>
             <a:xfrm>
-              <a:off x="1084970" y="3069560"/>
-              <a:ext cx="7500608" cy="0"/>
+              <a:off x="1006499" y="1793415"/>
+              <a:ext cx="7591732" cy="0"/>
             </a:xfrm>
             <a:custGeom>
               <a:avLst/>
               <a:pathLst>
-                <a:path w="7500608" h="0">
+                <a:path w="7591732" h="0">
                   <a:moveTo>
                     <a:pt x="0" y="0"/>
                   </a:moveTo>
                   <a:lnTo>
-                    <a:pt x="7500608" y="0"/>
+                    <a:pt x="7591732" y="0"/>
                   </a:lnTo>
                   <a:lnTo>
-                    <a:pt x="7500608" y="0"/>
+                    <a:pt x="7591732" y="0"/>
                   </a:lnTo>
                 </a:path>
               </a:pathLst>
@@ -2437,40 +2437,23 @@
         </p:sp>
         <p:sp>
           <p:nvSpPr>
-            <p:cNvPr id="8" name="pl8"/>
-            <p:cNvSpPr/>
-            <p:nvPr/>
-          </p:nvSpPr>
-          <p:spPr>
-            <a:xfrm>
-              <a:off x="1084970" y="2399827"/>
-              <a:ext cx="7500608" cy="0"/>
-            </a:xfrm>
-            <a:custGeom>
-              <a:avLst/>
-              <a:pathLst>
-                <a:path w="7500608" h="0">
-                  <a:moveTo>
-                    <a:pt x="0" y="0"/>
-                  </a:moveTo>
-                  <a:lnTo>
-                    <a:pt x="7500608" y="0"/>
-                  </a:lnTo>
-                  <a:lnTo>
-                    <a:pt x="7500608" y="0"/>
-                  </a:lnTo>
-                </a:path>
-              </a:pathLst>
-            </a:custGeom>
-            <a:ln w="2710" cap="flat">
-              <a:solidFill>
-                <a:srgbClr val="CCCCCC">
-                  <a:alpha val="100000"/>
-                </a:srgbClr>
-              </a:solidFill>
-              <a:prstDash val="solid"/>
-              <a:round/>
-            </a:ln>
+            <p:cNvPr id="8" name="rc8"/>
+            <p:cNvSpPr/>
+            <p:nvPr/>
+          </p:nvSpPr>
+          <p:spPr>
+            <a:xfrm>
+              <a:off x="1190170" y="5500414"/>
+              <a:ext cx="1102025" cy="588412"/>
+            </a:xfrm>
+            <a:prstGeom prst="rect">
+              <a:avLst/>
+            </a:prstGeom>
+            <a:solidFill>
+              <a:srgbClr val="B0BEC5">
+                <a:alpha val="100000"/>
+              </a:srgbClr>
+            </a:solidFill>
           </p:spPr>
           <p:txBody>
             <a:bodyPr/>
@@ -2480,57 +2463,14 @@
         </p:sp>
         <p:sp>
           <p:nvSpPr>
-            <p:cNvPr id="9" name="pl9"/>
-            <p:cNvSpPr/>
-            <p:nvPr/>
-          </p:nvSpPr>
-          <p:spPr>
-            <a:xfrm>
-              <a:off x="1084970" y="1730095"/>
-              <a:ext cx="7500608" cy="0"/>
-            </a:xfrm>
-            <a:custGeom>
-              <a:avLst/>
-              <a:pathLst>
-                <a:path w="7500608" h="0">
-                  <a:moveTo>
-                    <a:pt x="0" y="0"/>
-                  </a:moveTo>
-                  <a:lnTo>
-                    <a:pt x="7500608" y="0"/>
-                  </a:lnTo>
-                  <a:lnTo>
-                    <a:pt x="7500608" y="0"/>
-                  </a:lnTo>
-                </a:path>
-              </a:pathLst>
-            </a:custGeom>
-            <a:ln w="2710" cap="flat">
-              <a:solidFill>
-                <a:srgbClr val="CCCCCC">
-                  <a:alpha val="100000"/>
-                </a:srgbClr>
-              </a:solidFill>
-              <a:prstDash val="solid"/>
-              <a:round/>
-            </a:ln>
-          </p:spPr>
-          <p:txBody>
-            <a:bodyPr/>
-            <a:lstStyle/>
-            <a:p/>
-          </p:txBody>
-        </p:sp>
-        <p:sp>
-          <p:nvSpPr>
-            <p:cNvPr id="10" name="rc10"/>
-            <p:cNvSpPr/>
-            <p:nvPr/>
-          </p:nvSpPr>
-          <p:spPr>
-            <a:xfrm>
-              <a:off x="1266437" y="2935613"/>
-              <a:ext cx="1088798" cy="2143144"/>
+            <p:cNvPr id="9" name="rc9"/>
+            <p:cNvSpPr/>
+            <p:nvPr/>
+          </p:nvSpPr>
+          <p:spPr>
+            <a:xfrm>
+              <a:off x="2414643" y="2950627"/>
+              <a:ext cx="1102025" cy="3138199"/>
             </a:xfrm>
             <a:prstGeom prst="rect">
               <a:avLst/>
@@ -2549,20 +2489,20 @@
         </p:sp>
         <p:sp>
           <p:nvSpPr>
-            <p:cNvPr id="11" name="rc11"/>
-            <p:cNvSpPr/>
-            <p:nvPr/>
-          </p:nvSpPr>
-          <p:spPr>
-            <a:xfrm>
-              <a:off x="2476212" y="4007185"/>
-              <a:ext cx="1088798" cy="1071572"/>
+            <p:cNvPr id="10" name="rc10"/>
+            <p:cNvSpPr/>
+            <p:nvPr/>
+          </p:nvSpPr>
+          <p:spPr>
+            <a:xfrm>
+              <a:off x="3639116" y="4519727"/>
+              <a:ext cx="1102025" cy="1569099"/>
             </a:xfrm>
             <a:prstGeom prst="rect">
               <a:avLst/>
             </a:prstGeom>
             <a:solidFill>
-              <a:srgbClr val="43AA70">
+              <a:srgbClr val="8BC34A">
                 <a:alpha val="100000"/>
               </a:srgbClr>
             </a:solidFill>
@@ -2575,20 +2515,20 @@
         </p:sp>
         <p:sp>
           <p:nvSpPr>
-            <p:cNvPr id="12" name="rc12"/>
-            <p:cNvSpPr/>
-            <p:nvPr/>
-          </p:nvSpPr>
-          <p:spPr>
-            <a:xfrm>
-              <a:off x="3685988" y="2667720"/>
-              <a:ext cx="1088798" cy="2411037"/>
+            <p:cNvPr id="11" name="rc11"/>
+            <p:cNvSpPr/>
+            <p:nvPr/>
+          </p:nvSpPr>
+          <p:spPr>
+            <a:xfrm>
+              <a:off x="4863589" y="2558352"/>
+              <a:ext cx="1102025" cy="3530474"/>
             </a:xfrm>
             <a:prstGeom prst="rect">
               <a:avLst/>
             </a:prstGeom>
             <a:solidFill>
-              <a:srgbClr val="B7B924">
+              <a:srgbClr val="FFC107">
                 <a:alpha val="100000"/>
               </a:srgbClr>
             </a:solidFill>
@@ -2601,20 +2541,20 @@
         </p:sp>
         <p:sp>
           <p:nvSpPr>
-            <p:cNvPr id="13" name="rc13"/>
-            <p:cNvSpPr/>
-            <p:nvPr/>
-          </p:nvSpPr>
-          <p:spPr>
-            <a:xfrm>
-              <a:off x="4895763" y="2868640"/>
-              <a:ext cx="1088798" cy="2210117"/>
+            <p:cNvPr id="12" name="rc12"/>
+            <p:cNvSpPr/>
+            <p:nvPr/>
+          </p:nvSpPr>
+          <p:spPr>
+            <a:xfrm>
+              <a:off x="6088062" y="2852558"/>
+              <a:ext cx="1102025" cy="3236268"/>
             </a:xfrm>
             <a:prstGeom prst="rect">
               <a:avLst/>
             </a:prstGeom>
             <a:solidFill>
-              <a:srgbClr val="D7834A">
+              <a:srgbClr val="FF9800">
                 <a:alpha val="100000"/>
               </a:srgbClr>
             </a:solidFill>
@@ -2627,40 +2567,14 @@
         </p:sp>
         <p:sp>
           <p:nvSpPr>
-            <p:cNvPr id="14" name="rc14"/>
-            <p:cNvSpPr/>
-            <p:nvPr/>
-          </p:nvSpPr>
-          <p:spPr>
-            <a:xfrm>
-              <a:off x="6105539" y="3538373"/>
-              <a:ext cx="1088798" cy="1540384"/>
-            </a:xfrm>
-            <a:prstGeom prst="rect">
-              <a:avLst/>
-            </a:prstGeom>
-            <a:solidFill>
-              <a:srgbClr val="AD2C97">
-                <a:alpha val="100000"/>
-              </a:srgbClr>
-            </a:solidFill>
-          </p:spPr>
-          <p:txBody>
-            <a:bodyPr/>
-            <a:lstStyle/>
-            <a:p/>
-          </p:txBody>
-        </p:sp>
-        <p:sp>
-          <p:nvSpPr>
-            <p:cNvPr id="15" name="rc15"/>
-            <p:cNvSpPr/>
-            <p:nvPr/>
-          </p:nvSpPr>
-          <p:spPr>
-            <a:xfrm>
-              <a:off x="7315315" y="4676918"/>
-              <a:ext cx="1088798" cy="401839"/>
+            <p:cNvPr id="13" name="rc13"/>
+            <p:cNvSpPr/>
+            <p:nvPr/>
+          </p:nvSpPr>
+          <p:spPr>
+            <a:xfrm>
+              <a:off x="7312535" y="3833245"/>
+              <a:ext cx="1102025" cy="2255581"/>
             </a:xfrm>
             <a:prstGeom prst="rect">
               <a:avLst/>
@@ -2679,13 +2593,105 @@
         </p:sp>
         <p:sp>
           <p:nvSpPr>
+            <p:cNvPr id="14" name="tx14"/>
+            <p:cNvSpPr/>
+            <p:nvPr/>
+          </p:nvSpPr>
+          <p:spPr>
+            <a:xfrm>
+              <a:off x="1690941" y="4913425"/>
+              <a:ext cx="100482" cy="132065"/>
+            </a:xfrm>
+            <a:prstGeom prst="rect">
+              <a:avLst/>
+            </a:prstGeom>
+            <a:noFill/>
+          </p:spPr>
+          <p:txBody>
+            <a:bodyPr lIns="0" rIns="0" tIns="0" bIns="0" anchorCtr="1" anchor="ctr" wrap="none"/>
+            <a:lstStyle/>
+            <a:p>
+              <a:pPr algn="l" marL="0" marR="0" indent="0">
+                <a:lnSpc>
+                  <a:spcPts val="1422"/>
+                </a:lnSpc>
+                <a:spcBef>
+                  <a:spcPts val="0"/>
+                </a:spcBef>
+                <a:spcAft>
+                  <a:spcPts val="0"/>
+                </a:spcAft>
+              </a:pPr>
+              <a:r>
+                <a:rPr sz="1422">
+                  <a:solidFill>
+                    <a:srgbClr val="000000">
+                      <a:alpha val="100000"/>
+                    </a:srgbClr>
+                  </a:solidFill>
+                  <a:latin typeface="Arial"/>
+                  <a:cs typeface="Arial"/>
+                </a:rPr>
+                <a:t>6</a:t>
+              </a:r>
+            </a:p>
+          </p:txBody>
+        </p:sp>
+        <p:sp>
+          <p:nvSpPr>
+            <p:cNvPr id="15" name="tx15"/>
+            <p:cNvSpPr/>
+            <p:nvPr/>
+          </p:nvSpPr>
+          <p:spPr>
+            <a:xfrm>
+              <a:off x="1550451" y="5136103"/>
+              <a:ext cx="381464" cy="169559"/>
+            </a:xfrm>
+            <a:prstGeom prst="rect">
+              <a:avLst/>
+            </a:prstGeom>
+            <a:noFill/>
+          </p:spPr>
+          <p:txBody>
+            <a:bodyPr lIns="0" rIns="0" tIns="0" bIns="0" anchorCtr="1" anchor="ctr" wrap="none"/>
+            <a:lstStyle/>
+            <a:p>
+              <a:pPr algn="l" marL="0" marR="0" indent="0">
+                <a:lnSpc>
+                  <a:spcPts val="1422"/>
+                </a:lnSpc>
+                <a:spcBef>
+                  <a:spcPts val="0"/>
+                </a:spcBef>
+                <a:spcAft>
+                  <a:spcPts val="0"/>
+                </a:spcAft>
+              </a:pPr>
+              <a:r>
+                <a:rPr sz="1422">
+                  <a:solidFill>
+                    <a:srgbClr val="000000">
+                      <a:alpha val="100000"/>
+                    </a:srgbClr>
+                  </a:solidFill>
+                  <a:latin typeface="Arial"/>
+                  <a:cs typeface="Arial"/>
+                </a:rPr>
+                <a:t>(4%)</a:t>
+              </a:r>
+            </a:p>
+          </p:txBody>
+        </p:sp>
+        <p:sp>
+          <p:nvSpPr>
             <p:cNvPr id="16" name="tx16"/>
             <p:cNvSpPr/>
             <p:nvPr/>
           </p:nvSpPr>
           <p:spPr>
             <a:xfrm>
-              <a:off x="1710353" y="2348536"/>
+              <a:off x="2865173" y="2363549"/>
               <a:ext cx="200965" cy="132153"/>
             </a:xfrm>
             <a:prstGeom prst="rect">
@@ -2731,7 +2737,7 @@
           </p:nvSpPr>
           <p:spPr>
             <a:xfrm>
-              <a:off x="1569862" y="2571303"/>
+              <a:off x="2724682" y="2586316"/>
               <a:ext cx="481947" cy="169559"/>
             </a:xfrm>
             <a:prstGeom prst="rect">
@@ -2777,7 +2783,7 @@
           </p:nvSpPr>
           <p:spPr>
             <a:xfrm>
-              <a:off x="2920128" y="3420196"/>
+              <a:off x="4089646" y="3932738"/>
               <a:ext cx="200965" cy="132065"/>
             </a:xfrm>
             <a:prstGeom prst="rect">
@@ -2823,7 +2829,7 @@
           </p:nvSpPr>
           <p:spPr>
             <a:xfrm>
-              <a:off x="2779638" y="3642875"/>
+              <a:off x="3949155" y="4155416"/>
               <a:ext cx="481947" cy="169559"/>
             </a:xfrm>
             <a:prstGeom prst="rect">
@@ -2869,7 +2875,7 @@
           </p:nvSpPr>
           <p:spPr>
             <a:xfrm>
-              <a:off x="4129904" y="2080643"/>
+              <a:off x="5314119" y="1971274"/>
               <a:ext cx="200965" cy="132153"/>
             </a:xfrm>
             <a:prstGeom prst="rect">
@@ -2915,7 +2921,7 @@
           </p:nvSpPr>
           <p:spPr>
             <a:xfrm>
-              <a:off x="3989413" y="2303410"/>
+              <a:off x="5173628" y="2194041"/>
               <a:ext cx="481947" cy="169559"/>
             </a:xfrm>
             <a:prstGeom prst="rect">
@@ -2961,7 +2967,7 @@
           </p:nvSpPr>
           <p:spPr>
             <a:xfrm>
-              <a:off x="5339680" y="2281563"/>
+              <a:off x="6538592" y="2265481"/>
               <a:ext cx="200965" cy="132153"/>
             </a:xfrm>
             <a:prstGeom prst="rect">
@@ -3007,7 +3013,7 @@
           </p:nvSpPr>
           <p:spPr>
             <a:xfrm>
-              <a:off x="5199189" y="2504329"/>
+              <a:off x="6398101" y="2488247"/>
               <a:ext cx="481947" cy="169559"/>
             </a:xfrm>
             <a:prstGeom prst="rect">
@@ -3053,7 +3059,7 @@
           </p:nvSpPr>
           <p:spPr>
             <a:xfrm>
-              <a:off x="6549455" y="2951295"/>
+              <a:off x="7763065" y="3246168"/>
               <a:ext cx="200965" cy="132153"/>
             </a:xfrm>
             <a:prstGeom prst="rect">
@@ -3099,7 +3105,7 @@
           </p:nvSpPr>
           <p:spPr>
             <a:xfrm>
-              <a:off x="6408965" y="3174062"/>
+              <a:off x="7622574" y="3468935"/>
               <a:ext cx="481947" cy="169559"/>
             </a:xfrm>
             <a:prstGeom prst="rect">
@@ -3139,113 +3145,21 @@
         </p:sp>
         <p:sp>
           <p:nvSpPr>
-            <p:cNvPr id="26" name="tx26"/>
-            <p:cNvSpPr/>
-            <p:nvPr/>
-          </p:nvSpPr>
-          <p:spPr>
-            <a:xfrm>
-              <a:off x="7809472" y="4089929"/>
-              <a:ext cx="100482" cy="132065"/>
-            </a:xfrm>
-            <a:prstGeom prst="rect">
-              <a:avLst/>
-            </a:prstGeom>
-            <a:noFill/>
-          </p:spPr>
-          <p:txBody>
-            <a:bodyPr lIns="0" rIns="0" tIns="0" bIns="0" anchorCtr="1" anchor="ctr" wrap="none"/>
-            <a:lstStyle/>
-            <a:p>
-              <a:pPr algn="l" marL="0" marR="0" indent="0">
-                <a:lnSpc>
-                  <a:spcPts val="1422"/>
-                </a:lnSpc>
-                <a:spcBef>
-                  <a:spcPts val="0"/>
-                </a:spcBef>
-                <a:spcAft>
-                  <a:spcPts val="0"/>
-                </a:spcAft>
-              </a:pPr>
-              <a:r>
-                <a:rPr sz="1422">
-                  <a:solidFill>
-                    <a:srgbClr val="000000">
-                      <a:alpha val="100000"/>
-                    </a:srgbClr>
-                  </a:solidFill>
-                  <a:latin typeface="Arial"/>
-                  <a:cs typeface="Arial"/>
-                </a:rPr>
-                <a:t>6</a:t>
-              </a:r>
-            </a:p>
-          </p:txBody>
-        </p:sp>
-        <p:sp>
-          <p:nvSpPr>
-            <p:cNvPr id="27" name="tx27"/>
-            <p:cNvSpPr/>
-            <p:nvPr/>
-          </p:nvSpPr>
-          <p:spPr>
-            <a:xfrm>
-              <a:off x="7668982" y="4312607"/>
-              <a:ext cx="381464" cy="169559"/>
-            </a:xfrm>
-            <a:prstGeom prst="rect">
-              <a:avLst/>
-            </a:prstGeom>
-            <a:noFill/>
-          </p:spPr>
-          <p:txBody>
-            <a:bodyPr lIns="0" rIns="0" tIns="0" bIns="0" anchorCtr="1" anchor="ctr" wrap="none"/>
-            <a:lstStyle/>
-            <a:p>
-              <a:pPr algn="l" marL="0" marR="0" indent="0">
-                <a:lnSpc>
-                  <a:spcPts val="1422"/>
-                </a:lnSpc>
-                <a:spcBef>
-                  <a:spcPts val="0"/>
-                </a:spcBef>
-                <a:spcAft>
-                  <a:spcPts val="0"/>
-                </a:spcAft>
-              </a:pPr>
-              <a:r>
-                <a:rPr sz="1422">
-                  <a:solidFill>
-                    <a:srgbClr val="000000">
-                      <a:alpha val="100000"/>
-                    </a:srgbClr>
-                  </a:solidFill>
-                  <a:latin typeface="Arial"/>
-                  <a:cs typeface="Arial"/>
-                </a:rPr>
-                <a:t>(4%)</a:t>
-              </a:r>
-            </a:p>
-          </p:txBody>
-        </p:sp>
-        <p:sp>
-          <p:nvSpPr>
-            <p:cNvPr id="28" name="pl28"/>
-            <p:cNvSpPr/>
-            <p:nvPr/>
-          </p:nvSpPr>
-          <p:spPr>
-            <a:xfrm>
-              <a:off x="1084970" y="1582753"/>
-              <a:ext cx="0" cy="3616555"/>
+            <p:cNvPr id="26" name="pl26"/>
+            <p:cNvSpPr/>
+            <p:nvPr/>
+          </p:nvSpPr>
+          <p:spPr>
+            <a:xfrm>
+              <a:off x="1006499" y="1499209"/>
+              <a:ext cx="0" cy="4589617"/>
             </a:xfrm>
             <a:custGeom>
               <a:avLst/>
               <a:pathLst>
-                <a:path w="0" h="3616555">
+                <a:path w="0" h="4589617">
                   <a:moveTo>
-                    <a:pt x="0" y="3616555"/>
+                    <a:pt x="0" y="4589617"/>
                   </a:moveTo>
                   <a:lnTo>
                     <a:pt x="0" y="0"/>
@@ -3271,14 +3185,14 @@
         </p:sp>
         <p:sp>
           <p:nvSpPr>
-            <p:cNvPr id="29" name="tx29"/>
-            <p:cNvSpPr/>
-            <p:nvPr/>
-          </p:nvSpPr>
-          <p:spPr>
-            <a:xfrm>
-              <a:off x="894114" y="5013783"/>
-              <a:ext cx="96865" cy="127311"/>
+            <p:cNvPr id="27" name="tx27"/>
+            <p:cNvSpPr/>
+            <p:nvPr/>
+          </p:nvSpPr>
+          <p:spPr>
+            <a:xfrm>
+              <a:off x="839500" y="6031974"/>
+              <a:ext cx="84757" cy="111397"/>
             </a:xfrm>
             <a:prstGeom prst="rect">
               <a:avLst/>
@@ -3291,7 +3205,7 @@
             <a:p>
               <a:pPr algn="l" marL="0" marR="0" indent="0">
                 <a:lnSpc>
-                  <a:spcPts val="1371"/>
+                  <a:spcPts val="1200"/>
                 </a:lnSpc>
                 <a:spcBef>
                   <a:spcPts val="0"/>
@@ -3301,7 +3215,7 @@
                 </a:spcAft>
               </a:pPr>
               <a:r>
-                <a:rPr sz="1371">
+                <a:rPr sz="1200">
                   <a:solidFill>
                     <a:srgbClr val="000000">
                       <a:alpha val="100000"/>
@@ -3317,14 +3231,14 @@
         </p:sp>
         <p:sp>
           <p:nvSpPr>
-            <p:cNvPr id="30" name="tx30"/>
-            <p:cNvSpPr/>
-            <p:nvPr/>
-          </p:nvSpPr>
-          <p:spPr>
-            <a:xfrm>
-              <a:off x="797248" y="4344051"/>
-              <a:ext cx="193731" cy="127311"/>
+            <p:cNvPr id="28" name="tx28"/>
+            <p:cNvSpPr/>
+            <p:nvPr/>
+          </p:nvSpPr>
+          <p:spPr>
+            <a:xfrm>
+              <a:off x="754742" y="4600171"/>
+              <a:ext cx="169515" cy="111397"/>
             </a:xfrm>
             <a:prstGeom prst="rect">
               <a:avLst/>
@@ -3337,7 +3251,7 @@
             <a:p>
               <a:pPr algn="l" marL="0" marR="0" indent="0">
                 <a:lnSpc>
-                  <a:spcPts val="1371"/>
+                  <a:spcPts val="1200"/>
                 </a:lnSpc>
                 <a:spcBef>
                   <a:spcPts val="0"/>
@@ -3347,7 +3261,7 @@
                 </a:spcAft>
               </a:pPr>
               <a:r>
-                <a:rPr sz="1371">
+                <a:rPr sz="1200">
                   <a:solidFill>
                     <a:srgbClr val="000000">
                       <a:alpha val="100000"/>
@@ -3363,14 +3277,14 @@
         </p:sp>
         <p:sp>
           <p:nvSpPr>
-            <p:cNvPr id="31" name="tx31"/>
-            <p:cNvSpPr/>
-            <p:nvPr/>
-          </p:nvSpPr>
-          <p:spPr>
-            <a:xfrm>
-              <a:off x="797248" y="3674318"/>
-              <a:ext cx="193731" cy="127311"/>
+            <p:cNvPr id="29" name="tx29"/>
+            <p:cNvSpPr/>
+            <p:nvPr/>
+          </p:nvSpPr>
+          <p:spPr>
+            <a:xfrm>
+              <a:off x="754742" y="3168367"/>
+              <a:ext cx="169515" cy="111397"/>
             </a:xfrm>
             <a:prstGeom prst="rect">
               <a:avLst/>
@@ -3383,7 +3297,7 @@
             <a:p>
               <a:pPr algn="l" marL="0" marR="0" indent="0">
                 <a:lnSpc>
-                  <a:spcPts val="1371"/>
+                  <a:spcPts val="1200"/>
                 </a:lnSpc>
                 <a:spcBef>
                   <a:spcPts val="0"/>
@@ -3393,7 +3307,7 @@
                 </a:spcAft>
               </a:pPr>
               <a:r>
-                <a:rPr sz="1371">
+                <a:rPr sz="1200">
                   <a:solidFill>
                     <a:srgbClr val="000000">
                       <a:alpha val="100000"/>
@@ -3409,14 +3323,14 @@
         </p:sp>
         <p:sp>
           <p:nvSpPr>
-            <p:cNvPr id="32" name="tx32"/>
-            <p:cNvSpPr/>
-            <p:nvPr/>
-          </p:nvSpPr>
-          <p:spPr>
-            <a:xfrm>
-              <a:off x="797248" y="3004501"/>
-              <a:ext cx="193731" cy="127396"/>
+            <p:cNvPr id="30" name="tx30"/>
+            <p:cNvSpPr/>
+            <p:nvPr/>
+          </p:nvSpPr>
+          <p:spPr>
+            <a:xfrm>
+              <a:off x="754742" y="1736489"/>
+              <a:ext cx="169515" cy="111472"/>
             </a:xfrm>
             <a:prstGeom prst="rect">
               <a:avLst/>
@@ -3429,7 +3343,7 @@
             <a:p>
               <a:pPr algn="l" marL="0" marR="0" indent="0">
                 <a:lnSpc>
-                  <a:spcPts val="1371"/>
+                  <a:spcPts val="1200"/>
                 </a:lnSpc>
                 <a:spcBef>
                   <a:spcPts val="0"/>
@@ -3439,7 +3353,7 @@
                 </a:spcAft>
               </a:pPr>
               <a:r>
-                <a:rPr sz="1371">
+                <a:rPr sz="1200">
                   <a:solidFill>
                     <a:srgbClr val="000000">
                       <a:alpha val="100000"/>
@@ -3455,116 +3369,24 @@
         </p:sp>
         <p:sp>
           <p:nvSpPr>
-            <p:cNvPr id="33" name="tx33"/>
-            <p:cNvSpPr/>
-            <p:nvPr/>
-          </p:nvSpPr>
-          <p:spPr>
-            <a:xfrm>
-              <a:off x="797248" y="2334853"/>
-              <a:ext cx="193731" cy="127311"/>
-            </a:xfrm>
-            <a:prstGeom prst="rect">
-              <a:avLst/>
-            </a:prstGeom>
-            <a:noFill/>
-          </p:spPr>
-          <p:txBody>
-            <a:bodyPr lIns="0" rIns="0" tIns="0" bIns="0" anchorCtr="1" anchor="ctr" wrap="none"/>
-            <a:lstStyle/>
-            <a:p>
-              <a:pPr algn="l" marL="0" marR="0" indent="0">
-                <a:lnSpc>
-                  <a:spcPts val="1371"/>
-                </a:lnSpc>
-                <a:spcBef>
-                  <a:spcPts val="0"/>
-                </a:spcBef>
-                <a:spcAft>
-                  <a:spcPts val="0"/>
-                </a:spcAft>
-              </a:pPr>
-              <a:r>
-                <a:rPr sz="1371">
-                  <a:solidFill>
-                    <a:srgbClr val="000000">
-                      <a:alpha val="100000"/>
-                    </a:srgbClr>
-                  </a:solidFill>
-                  <a:latin typeface="Arial"/>
-                  <a:cs typeface="Arial"/>
-                </a:rPr>
-                <a:t>40</a:t>
-              </a:r>
-            </a:p>
-          </p:txBody>
-        </p:sp>
-        <p:sp>
-          <p:nvSpPr>
-            <p:cNvPr id="34" name="tx34"/>
-            <p:cNvSpPr/>
-            <p:nvPr/>
-          </p:nvSpPr>
-          <p:spPr>
-            <a:xfrm>
-              <a:off x="797248" y="1665121"/>
-              <a:ext cx="193731" cy="127311"/>
-            </a:xfrm>
-            <a:prstGeom prst="rect">
-              <a:avLst/>
-            </a:prstGeom>
-            <a:noFill/>
-          </p:spPr>
-          <p:txBody>
-            <a:bodyPr lIns="0" rIns="0" tIns="0" bIns="0" anchorCtr="1" anchor="ctr" wrap="none"/>
-            <a:lstStyle/>
-            <a:p>
-              <a:pPr algn="l" marL="0" marR="0" indent="0">
-                <a:lnSpc>
-                  <a:spcPts val="1371"/>
-                </a:lnSpc>
-                <a:spcBef>
-                  <a:spcPts val="0"/>
-                </a:spcBef>
-                <a:spcAft>
-                  <a:spcPts val="0"/>
-                </a:spcAft>
-              </a:pPr>
-              <a:r>
-                <a:rPr sz="1371">
-                  <a:solidFill>
-                    <a:srgbClr val="000000">
-                      <a:alpha val="100000"/>
-                    </a:srgbClr>
-                  </a:solidFill>
-                  <a:latin typeface="Arial"/>
-                  <a:cs typeface="Arial"/>
-                </a:rPr>
-                <a:t>50</a:t>
-              </a:r>
-            </a:p>
-          </p:txBody>
-        </p:sp>
-        <p:sp>
-          <p:nvSpPr>
-            <p:cNvPr id="35" name="pl35"/>
-            <p:cNvSpPr/>
-            <p:nvPr/>
-          </p:nvSpPr>
-          <p:spPr>
-            <a:xfrm>
-              <a:off x="1034360" y="5078758"/>
-              <a:ext cx="50610" cy="0"/>
+            <p:cNvPr id="31" name="pl31"/>
+            <p:cNvSpPr/>
+            <p:nvPr/>
+          </p:nvSpPr>
+          <p:spPr>
+            <a:xfrm>
+              <a:off x="962215" y="6088827"/>
+              <a:ext cx="44283" cy="0"/>
             </a:xfrm>
             <a:custGeom>
               <a:avLst/>
               <a:pathLst>
-                <a:path w="50610" h="0">
+                <a:path w="44283" h="0">
                   <a:moveTo>
                     <a:pt x="0" y="0"/>
                   </a:moveTo>
                   <a:lnTo>
-                    <a:pt x="50610" y="0"/>
+                    <a:pt x="44283" y="0"/>
                   </a:lnTo>
                 </a:path>
               </a:pathLst>
@@ -3587,24 +3409,24 @@
         </p:sp>
         <p:sp>
           <p:nvSpPr>
-            <p:cNvPr id="36" name="pl36"/>
-            <p:cNvSpPr/>
-            <p:nvPr/>
-          </p:nvSpPr>
-          <p:spPr>
-            <a:xfrm>
-              <a:off x="1034360" y="4409025"/>
-              <a:ext cx="50610" cy="0"/>
+            <p:cNvPr id="32" name="pl32"/>
+            <p:cNvSpPr/>
+            <p:nvPr/>
+          </p:nvSpPr>
+          <p:spPr>
+            <a:xfrm>
+              <a:off x="962215" y="4657023"/>
+              <a:ext cx="44283" cy="0"/>
             </a:xfrm>
             <a:custGeom>
               <a:avLst/>
               <a:pathLst>
-                <a:path w="50610" h="0">
+                <a:path w="44283" h="0">
                   <a:moveTo>
                     <a:pt x="0" y="0"/>
                   </a:moveTo>
                   <a:lnTo>
-                    <a:pt x="50610" y="0"/>
+                    <a:pt x="44283" y="0"/>
                   </a:lnTo>
                 </a:path>
               </a:pathLst>
@@ -3627,24 +3449,24 @@
         </p:sp>
         <p:sp>
           <p:nvSpPr>
-            <p:cNvPr id="37" name="pl37"/>
-            <p:cNvSpPr/>
-            <p:nvPr/>
-          </p:nvSpPr>
-          <p:spPr>
-            <a:xfrm>
-              <a:off x="1034360" y="3739292"/>
-              <a:ext cx="50610" cy="0"/>
+            <p:cNvPr id="33" name="pl33"/>
+            <p:cNvSpPr/>
+            <p:nvPr/>
+          </p:nvSpPr>
+          <p:spPr>
+            <a:xfrm>
+              <a:off x="962215" y="3225219"/>
+              <a:ext cx="44283" cy="0"/>
             </a:xfrm>
             <a:custGeom>
               <a:avLst/>
               <a:pathLst>
-                <a:path w="50610" h="0">
+                <a:path w="44283" h="0">
                   <a:moveTo>
                     <a:pt x="0" y="0"/>
                   </a:moveTo>
                   <a:lnTo>
-                    <a:pt x="50610" y="0"/>
+                    <a:pt x="44283" y="0"/>
                   </a:lnTo>
                 </a:path>
               </a:pathLst>
@@ -3667,24 +3489,24 @@
         </p:sp>
         <p:sp>
           <p:nvSpPr>
-            <p:cNvPr id="38" name="pl38"/>
-            <p:cNvSpPr/>
-            <p:nvPr/>
-          </p:nvSpPr>
-          <p:spPr>
-            <a:xfrm>
-              <a:off x="1034360" y="3069560"/>
-              <a:ext cx="50610" cy="0"/>
+            <p:cNvPr id="34" name="pl34"/>
+            <p:cNvSpPr/>
+            <p:nvPr/>
+          </p:nvSpPr>
+          <p:spPr>
+            <a:xfrm>
+              <a:off x="962215" y="1793415"/>
+              <a:ext cx="44283" cy="0"/>
             </a:xfrm>
             <a:custGeom>
               <a:avLst/>
               <a:pathLst>
-                <a:path w="50610" h="0">
+                <a:path w="44283" h="0">
                   <a:moveTo>
                     <a:pt x="0" y="0"/>
                   </a:moveTo>
                   <a:lnTo>
-                    <a:pt x="50610" y="0"/>
+                    <a:pt x="44283" y="0"/>
                   </a:lnTo>
                 </a:path>
               </a:pathLst>
@@ -3707,104 +3529,24 @@
         </p:sp>
         <p:sp>
           <p:nvSpPr>
-            <p:cNvPr id="39" name="pl39"/>
-            <p:cNvSpPr/>
-            <p:nvPr/>
-          </p:nvSpPr>
-          <p:spPr>
-            <a:xfrm>
-              <a:off x="1034360" y="2399827"/>
-              <a:ext cx="50610" cy="0"/>
+            <p:cNvPr id="35" name="pl35"/>
+            <p:cNvSpPr/>
+            <p:nvPr/>
+          </p:nvSpPr>
+          <p:spPr>
+            <a:xfrm>
+              <a:off x="1006499" y="6088827"/>
+              <a:ext cx="7591732" cy="0"/>
             </a:xfrm>
             <a:custGeom>
               <a:avLst/>
               <a:pathLst>
-                <a:path w="50610" h="0">
+                <a:path w="7591732" h="0">
                   <a:moveTo>
                     <a:pt x="0" y="0"/>
                   </a:moveTo>
                   <a:lnTo>
-                    <a:pt x="50610" y="0"/>
-                  </a:lnTo>
-                </a:path>
-              </a:pathLst>
-            </a:custGeom>
-            <a:ln w="13550" cap="flat">
-              <a:solidFill>
-                <a:srgbClr val="000000">
-                  <a:alpha val="100000"/>
-                </a:srgbClr>
-              </a:solidFill>
-              <a:prstDash val="solid"/>
-              <a:round/>
-            </a:ln>
-          </p:spPr>
-          <p:txBody>
-            <a:bodyPr/>
-            <a:lstStyle/>
-            <a:p/>
-          </p:txBody>
-        </p:sp>
-        <p:sp>
-          <p:nvSpPr>
-            <p:cNvPr id="40" name="pl40"/>
-            <p:cNvSpPr/>
-            <p:nvPr/>
-          </p:nvSpPr>
-          <p:spPr>
-            <a:xfrm>
-              <a:off x="1034360" y="1730095"/>
-              <a:ext cx="50610" cy="0"/>
-            </a:xfrm>
-            <a:custGeom>
-              <a:avLst/>
-              <a:pathLst>
-                <a:path w="50610" h="0">
-                  <a:moveTo>
-                    <a:pt x="0" y="0"/>
-                  </a:moveTo>
-                  <a:lnTo>
-                    <a:pt x="50610" y="0"/>
-                  </a:lnTo>
-                </a:path>
-              </a:pathLst>
-            </a:custGeom>
-            <a:ln w="13550" cap="flat">
-              <a:solidFill>
-                <a:srgbClr val="000000">
-                  <a:alpha val="100000"/>
-                </a:srgbClr>
-              </a:solidFill>
-              <a:prstDash val="solid"/>
-              <a:round/>
-            </a:ln>
-          </p:spPr>
-          <p:txBody>
-            <a:bodyPr/>
-            <a:lstStyle/>
-            <a:p/>
-          </p:txBody>
-        </p:sp>
-        <p:sp>
-          <p:nvSpPr>
-            <p:cNvPr id="41" name="pl41"/>
-            <p:cNvSpPr/>
-            <p:nvPr/>
-          </p:nvSpPr>
-          <p:spPr>
-            <a:xfrm>
-              <a:off x="1084970" y="5199309"/>
-              <a:ext cx="7500608" cy="0"/>
-            </a:xfrm>
-            <a:custGeom>
-              <a:avLst/>
-              <a:pathLst>
-                <a:path w="7500608" h="0">
-                  <a:moveTo>
-                    <a:pt x="0" y="0"/>
-                  </a:moveTo>
-                  <a:lnTo>
-                    <a:pt x="7500608" y="0"/>
+                    <a:pt x="7591732" y="0"/>
                   </a:lnTo>
                 </a:path>
               </a:pathLst>
@@ -3827,21 +3569,21 @@
         </p:sp>
         <p:sp>
           <p:nvSpPr>
-            <p:cNvPr id="42" name="pl42"/>
-            <p:cNvSpPr/>
-            <p:nvPr/>
-          </p:nvSpPr>
-          <p:spPr>
-            <a:xfrm>
-              <a:off x="1810836" y="5199309"/>
-              <a:ext cx="0" cy="50610"/>
+            <p:cNvPr id="36" name="pl36"/>
+            <p:cNvSpPr/>
+            <p:nvPr/>
+          </p:nvSpPr>
+          <p:spPr>
+            <a:xfrm>
+              <a:off x="1741183" y="6088827"/>
+              <a:ext cx="0" cy="44283"/>
             </a:xfrm>
             <a:custGeom>
               <a:avLst/>
               <a:pathLst>
-                <a:path w="0" h="50610">
+                <a:path w="0" h="44283">
                   <a:moveTo>
-                    <a:pt x="0" y="50610"/>
+                    <a:pt x="0" y="44283"/>
                   </a:moveTo>
                   <a:lnTo>
                     <a:pt x="0" y="0"/>
@@ -3867,21 +3609,21 @@
         </p:sp>
         <p:sp>
           <p:nvSpPr>
-            <p:cNvPr id="43" name="pl43"/>
-            <p:cNvSpPr/>
-            <p:nvPr/>
-          </p:nvSpPr>
-          <p:spPr>
-            <a:xfrm>
-              <a:off x="3020611" y="5199309"/>
-              <a:ext cx="0" cy="50610"/>
+            <p:cNvPr id="37" name="pl37"/>
+            <p:cNvSpPr/>
+            <p:nvPr/>
+          </p:nvSpPr>
+          <p:spPr>
+            <a:xfrm>
+              <a:off x="2965656" y="6088827"/>
+              <a:ext cx="0" cy="44283"/>
             </a:xfrm>
             <a:custGeom>
               <a:avLst/>
               <a:pathLst>
-                <a:path w="0" h="50610">
+                <a:path w="0" h="44283">
                   <a:moveTo>
-                    <a:pt x="0" y="50610"/>
+                    <a:pt x="0" y="44283"/>
                   </a:moveTo>
                   <a:lnTo>
                     <a:pt x="0" y="0"/>
@@ -3907,21 +3649,21 @@
         </p:sp>
         <p:sp>
           <p:nvSpPr>
-            <p:cNvPr id="44" name="pl44"/>
-            <p:cNvSpPr/>
-            <p:nvPr/>
-          </p:nvSpPr>
-          <p:spPr>
-            <a:xfrm>
-              <a:off x="4230387" y="5199309"/>
-              <a:ext cx="0" cy="50610"/>
+            <p:cNvPr id="38" name="pl38"/>
+            <p:cNvSpPr/>
+            <p:nvPr/>
+          </p:nvSpPr>
+          <p:spPr>
+            <a:xfrm>
+              <a:off x="4190129" y="6088827"/>
+              <a:ext cx="0" cy="44283"/>
             </a:xfrm>
             <a:custGeom>
               <a:avLst/>
               <a:pathLst>
-                <a:path w="0" h="50610">
+                <a:path w="0" h="44283">
                   <a:moveTo>
-                    <a:pt x="0" y="50610"/>
+                    <a:pt x="0" y="44283"/>
                   </a:moveTo>
                   <a:lnTo>
                     <a:pt x="0" y="0"/>
@@ -3947,21 +3689,21 @@
         </p:sp>
         <p:sp>
           <p:nvSpPr>
-            <p:cNvPr id="45" name="pl45"/>
-            <p:cNvSpPr/>
-            <p:nvPr/>
-          </p:nvSpPr>
-          <p:spPr>
-            <a:xfrm>
-              <a:off x="5440162" y="5199309"/>
-              <a:ext cx="0" cy="50610"/>
+            <p:cNvPr id="39" name="pl39"/>
+            <p:cNvSpPr/>
+            <p:nvPr/>
+          </p:nvSpPr>
+          <p:spPr>
+            <a:xfrm>
+              <a:off x="5414602" y="6088827"/>
+              <a:ext cx="0" cy="44283"/>
             </a:xfrm>
             <a:custGeom>
               <a:avLst/>
               <a:pathLst>
-                <a:path w="0" h="50610">
+                <a:path w="0" h="44283">
                   <a:moveTo>
-                    <a:pt x="0" y="50610"/>
+                    <a:pt x="0" y="44283"/>
                   </a:moveTo>
                   <a:lnTo>
                     <a:pt x="0" y="0"/>
@@ -3987,21 +3729,21 @@
         </p:sp>
         <p:sp>
           <p:nvSpPr>
-            <p:cNvPr id="46" name="pl46"/>
-            <p:cNvSpPr/>
-            <p:nvPr/>
-          </p:nvSpPr>
-          <p:spPr>
-            <a:xfrm>
-              <a:off x="6649938" y="5199309"/>
-              <a:ext cx="0" cy="50610"/>
+            <p:cNvPr id="40" name="pl40"/>
+            <p:cNvSpPr/>
+            <p:nvPr/>
+          </p:nvSpPr>
+          <p:spPr>
+            <a:xfrm>
+              <a:off x="6639075" y="6088827"/>
+              <a:ext cx="0" cy="44283"/>
             </a:xfrm>
             <a:custGeom>
               <a:avLst/>
               <a:pathLst>
-                <a:path w="0" h="50610">
+                <a:path w="0" h="44283">
                   <a:moveTo>
-                    <a:pt x="0" y="50610"/>
+                    <a:pt x="0" y="44283"/>
                   </a:moveTo>
                   <a:lnTo>
                     <a:pt x="0" y="0"/>
@@ -4027,21 +3769,21 @@
         </p:sp>
         <p:sp>
           <p:nvSpPr>
-            <p:cNvPr id="47" name="pl47"/>
-            <p:cNvSpPr/>
-            <p:nvPr/>
-          </p:nvSpPr>
-          <p:spPr>
-            <a:xfrm>
-              <a:off x="7859714" y="5199309"/>
-              <a:ext cx="0" cy="50610"/>
+            <p:cNvPr id="41" name="pl41"/>
+            <p:cNvSpPr/>
+            <p:nvPr/>
+          </p:nvSpPr>
+          <p:spPr>
+            <a:xfrm>
+              <a:off x="7863548" y="6088827"/>
+              <a:ext cx="0" cy="44283"/>
             </a:xfrm>
             <a:custGeom>
               <a:avLst/>
               <a:pathLst>
-                <a:path w="0" h="50610">
+                <a:path w="0" h="44283">
                   <a:moveTo>
-                    <a:pt x="0" y="50610"/>
+                    <a:pt x="0" y="44283"/>
                   </a:moveTo>
                   <a:lnTo>
                     <a:pt x="0" y="0"/>
@@ -4067,14 +3809,14 @@
         </p:sp>
         <p:sp>
           <p:nvSpPr>
-            <p:cNvPr id="48" name="tx48"/>
-            <p:cNvSpPr/>
-            <p:nvPr/>
-          </p:nvSpPr>
-          <p:spPr>
-            <a:xfrm rot="-2700000">
-              <a:off x="1267520" y="5516307"/>
-              <a:ext cx="687330" cy="126716"/>
+            <p:cNvPr id="42" name="tx42"/>
+            <p:cNvSpPr/>
+            <p:nvPr/>
+          </p:nvSpPr>
+          <p:spPr>
+            <a:xfrm>
+              <a:off x="1336928" y="6169282"/>
+              <a:ext cx="808508" cy="110876"/>
             </a:xfrm>
             <a:prstGeom prst="rect">
               <a:avLst/>
@@ -4087,7 +3829,7 @@
             <a:p>
               <a:pPr algn="l" marL="0" marR="0" indent="0">
                 <a:lnSpc>
-                  <a:spcPts val="1371"/>
+                  <a:spcPts val="1200"/>
                 </a:lnSpc>
                 <a:spcBef>
                   <a:spcPts val="0"/>
@@ -4097,7 +3839,53 @@
                 </a:spcAft>
               </a:pPr>
               <a:r>
-                <a:rPr sz="1371">
+                <a:rPr sz="1200">
+                  <a:solidFill>
+                    <a:srgbClr val="000000">
+                      <a:alpha val="100000"/>
+                    </a:srgbClr>
+                  </a:solidFill>
+                  <a:latin typeface="Arial"/>
+                  <a:cs typeface="Arial"/>
+                </a:rPr>
+                <a:t>I don't know</a:t>
+              </a:r>
+            </a:p>
+          </p:txBody>
+        </p:sp>
+        <p:sp>
+          <p:nvSpPr>
+            <p:cNvPr id="43" name="tx43"/>
+            <p:cNvSpPr/>
+            <p:nvPr/>
+          </p:nvSpPr>
+          <p:spPr>
+            <a:xfrm>
+              <a:off x="2664948" y="6169282"/>
+              <a:ext cx="601414" cy="110876"/>
+            </a:xfrm>
+            <a:prstGeom prst="rect">
+              <a:avLst/>
+            </a:prstGeom>
+            <a:noFill/>
+          </p:spPr>
+          <p:txBody>
+            <a:bodyPr lIns="0" rIns="0" tIns="0" bIns="0" anchorCtr="1" anchor="ctr" wrap="none"/>
+            <a:lstStyle/>
+            <a:p>
+              <a:pPr algn="l" marL="0" marR="0" indent="0">
+                <a:lnSpc>
+                  <a:spcPts val="1200"/>
+                </a:lnSpc>
+                <a:spcBef>
+                  <a:spcPts val="0"/>
+                </a:spcBef>
+                <a:spcAft>
+                  <a:spcPts val="0"/>
+                </a:spcAft>
+              </a:pPr>
+              <a:r>
+                <a:rPr sz="1200">
                   <a:solidFill>
                     <a:srgbClr val="000000">
                       <a:alpha val="100000"/>
@@ -4113,14 +3901,14 @@
         </p:sp>
         <p:sp>
           <p:nvSpPr>
-            <p:cNvPr id="49" name="tx49"/>
-            <p:cNvSpPr/>
-            <p:nvPr/>
-          </p:nvSpPr>
-          <p:spPr>
-            <a:xfrm rot="-2700000">
-              <a:off x="2571740" y="5440448"/>
-              <a:ext cx="561464" cy="163455"/>
+            <p:cNvPr id="44" name="tx44"/>
+            <p:cNvSpPr/>
+            <p:nvPr/>
+          </p:nvSpPr>
+          <p:spPr>
+            <a:xfrm>
+              <a:off x="3944488" y="6137135"/>
+              <a:ext cx="491281" cy="143023"/>
             </a:xfrm>
             <a:prstGeom prst="rect">
               <a:avLst/>
@@ -4133,7 +3921,7 @@
             <a:p>
               <a:pPr algn="l" marL="0" marR="0" indent="0">
                 <a:lnSpc>
-                  <a:spcPts val="1371"/>
+                  <a:spcPts val="1200"/>
                 </a:lnSpc>
                 <a:spcBef>
                   <a:spcPts val="0"/>
@@ -4143,7 +3931,7 @@
                 </a:spcAft>
               </a:pPr>
               <a:r>
-                <a:rPr sz="1371">
+                <a:rPr sz="1200">
                   <a:solidFill>
                     <a:srgbClr val="000000">
                       <a:alpha val="100000"/>
@@ -4159,14 +3947,14 @@
         </p:sp>
         <p:sp>
           <p:nvSpPr>
-            <p:cNvPr id="50" name="tx50"/>
-            <p:cNvSpPr/>
-            <p:nvPr/>
-          </p:nvSpPr>
-          <p:spPr>
-            <a:xfrm rot="-2700000">
-              <a:off x="3526096" y="5548372"/>
-              <a:ext cx="861587" cy="161329"/>
+            <p:cNvPr id="45" name="tx45"/>
+            <p:cNvSpPr/>
+            <p:nvPr/>
+          </p:nvSpPr>
+          <p:spPr>
+            <a:xfrm>
+              <a:off x="5037657" y="6138996"/>
+              <a:ext cx="753888" cy="141163"/>
             </a:xfrm>
             <a:prstGeom prst="rect">
               <a:avLst/>
@@ -4179,7 +3967,7 @@
             <a:p>
               <a:pPr algn="l" marL="0" marR="0" indent="0">
                 <a:lnSpc>
-                  <a:spcPts val="1371"/>
+                  <a:spcPts val="1200"/>
                 </a:lnSpc>
                 <a:spcBef>
                   <a:spcPts val="0"/>
@@ -4189,7 +3977,7 @@
                 </a:spcAft>
               </a:pPr>
               <a:r>
-                <a:rPr sz="1371">
+                <a:rPr sz="1200">
                   <a:solidFill>
                     <a:srgbClr val="000000">
                       <a:alpha val="100000"/>
@@ -4205,14 +3993,14 @@
         </p:sp>
         <p:sp>
           <p:nvSpPr>
-            <p:cNvPr id="51" name="tx51"/>
-            <p:cNvSpPr/>
-            <p:nvPr/>
-          </p:nvSpPr>
-          <p:spPr>
-            <a:xfrm rot="-2700000">
-              <a:off x="5186046" y="5396517"/>
-              <a:ext cx="348512" cy="126716"/>
+            <p:cNvPr id="46" name="tx46"/>
+            <p:cNvSpPr/>
+            <p:nvPr/>
+          </p:nvSpPr>
+          <p:spPr>
+            <a:xfrm>
+              <a:off x="6486600" y="6169282"/>
+              <a:ext cx="304948" cy="110876"/>
             </a:xfrm>
             <a:prstGeom prst="rect">
               <a:avLst/>
@@ -4225,7 +4013,7 @@
             <a:p>
               <a:pPr algn="l" marL="0" marR="0" indent="0">
                 <a:lnSpc>
-                  <a:spcPts val="1371"/>
+                  <a:spcPts val="1200"/>
                 </a:lnSpc>
                 <a:spcBef>
                   <a:spcPts val="0"/>
@@ -4235,7 +4023,7 @@
                 </a:spcAft>
               </a:pPr>
               <a:r>
-                <a:rPr sz="1371">
+                <a:rPr sz="1200">
                   <a:solidFill>
                     <a:srgbClr val="000000">
                       <a:alpha val="100000"/>
@@ -4251,14 +4039,14 @@
         </p:sp>
         <p:sp>
           <p:nvSpPr>
-            <p:cNvPr id="52" name="tx52"/>
-            <p:cNvSpPr/>
-            <p:nvPr/>
-          </p:nvSpPr>
-          <p:spPr>
-            <a:xfrm rot="-2700000">
-              <a:off x="6020198" y="5517493"/>
-              <a:ext cx="774246" cy="161329"/>
+            <p:cNvPr id="47" name="tx47"/>
+            <p:cNvSpPr/>
+            <p:nvPr/>
+          </p:nvSpPr>
+          <p:spPr>
+            <a:xfrm>
+              <a:off x="7524815" y="6138996"/>
+              <a:ext cx="677465" cy="141163"/>
             </a:xfrm>
             <a:prstGeom prst="rect">
               <a:avLst/>
@@ -4271,7 +4059,7 @@
             <a:p>
               <a:pPr algn="l" marL="0" marR="0" indent="0">
                 <a:lnSpc>
-                  <a:spcPts val="1371"/>
+                  <a:spcPts val="1200"/>
                 </a:lnSpc>
                 <a:spcBef>
                   <a:spcPts val="0"/>
@@ -4281,7 +4069,7 @@
                 </a:spcAft>
               </a:pPr>
               <a:r>
-                <a:rPr sz="1371">
+                <a:rPr sz="1200">
                   <a:solidFill>
                     <a:srgbClr val="000000">
                       <a:alpha val="100000"/>
@@ -4297,14 +4085,14 @@
         </p:sp>
         <p:sp>
           <p:nvSpPr>
-            <p:cNvPr id="53" name="tx53"/>
-            <p:cNvSpPr/>
-            <p:nvPr/>
-          </p:nvSpPr>
-          <p:spPr>
-            <a:xfrm rot="-2700000">
-              <a:off x="7114380" y="5599986"/>
-              <a:ext cx="924010" cy="126716"/>
+            <p:cNvPr id="48" name="tx48"/>
+            <p:cNvSpPr/>
+            <p:nvPr/>
+          </p:nvSpPr>
+          <p:spPr>
+            <a:xfrm rot="-5400000">
+              <a:off x="-160440" y="3711629"/>
+              <a:ext cx="1502184" cy="164777"/>
             </a:xfrm>
             <a:prstGeom prst="rect">
               <a:avLst/>
@@ -4317,7 +4105,7 @@
             <a:p>
               <a:pPr algn="l" marL="0" marR="0" indent="0">
                 <a:lnSpc>
-                  <a:spcPts val="1371"/>
+                  <a:spcPts val="1400"/>
                 </a:lnSpc>
                 <a:spcBef>
                   <a:spcPts val="0"/>
@@ -4327,53 +4115,7 @@
                 </a:spcAft>
               </a:pPr>
               <a:r>
-                <a:rPr sz="1371">
-                  <a:solidFill>
-                    <a:srgbClr val="000000">
-                      <a:alpha val="100000"/>
-                    </a:srgbClr>
-                  </a:solidFill>
-                  <a:latin typeface="Arial"/>
-                  <a:cs typeface="Arial"/>
-                </a:rPr>
-                <a:t>I don't know</a:t>
-              </a:r>
-            </a:p>
-          </p:txBody>
-        </p:sp>
-        <p:sp>
-          <p:nvSpPr>
-            <p:cNvPr id="54" name="tx54"/>
-            <p:cNvSpPr/>
-            <p:nvPr/>
-          </p:nvSpPr>
-          <p:spPr>
-            <a:xfrm rot="-5400000">
-              <a:off x="-248674" y="3296873"/>
-              <a:ext cx="1716782" cy="188317"/>
-            </a:xfrm>
-            <a:prstGeom prst="rect">
-              <a:avLst/>
-            </a:prstGeom>
-            <a:noFill/>
-          </p:spPr>
-          <p:txBody>
-            <a:bodyPr lIns="0" rIns="0" tIns="0" bIns="0" anchorCtr="1" anchor="ctr" wrap="none"/>
-            <a:lstStyle/>
-            <a:p>
-              <a:pPr algn="l" marL="0" marR="0" indent="0">
-                <a:lnSpc>
-                  <a:spcPts val="1600"/>
-                </a:lnSpc>
-                <a:spcBef>
-                  <a:spcPts val="0"/>
-                </a:spcBef>
-                <a:spcAft>
-                  <a:spcPts val="0"/>
-                </a:spcAft>
-              </a:pPr>
-              <a:r>
-                <a:rPr sz="1600">
+                <a:rPr sz="1400">
                   <a:solidFill>
                     <a:srgbClr val="000000">
                       <a:alpha val="100000"/>
@@ -4389,14 +4131,14 @@
         </p:sp>
         <p:sp>
           <p:nvSpPr>
-            <p:cNvPr id="55" name="tx55"/>
-            <p:cNvSpPr/>
-            <p:nvPr/>
-          </p:nvSpPr>
-          <p:spPr>
-            <a:xfrm>
-              <a:off x="1084970" y="963913"/>
-              <a:ext cx="6026036" cy="217941"/>
+            <p:cNvPr id="49" name="tx49"/>
+            <p:cNvSpPr/>
+            <p:nvPr/>
+          </p:nvSpPr>
+          <p:spPr>
+            <a:xfrm>
+              <a:off x="1006499" y="957724"/>
+              <a:ext cx="5634037" cy="190698"/>
             </a:xfrm>
             <a:prstGeom prst="rect">
               <a:avLst/>
@@ -4409,7 +4151,7 @@
             <a:p>
               <a:pPr algn="l" marL="0" marR="0" indent="0">
                 <a:lnSpc>
-                  <a:spcPts val="1828"/>
+                  <a:spcPts val="1600"/>
                 </a:lnSpc>
                 <a:spcBef>
                   <a:spcPts val="0"/>
@@ -4419,7 +4161,7 @@
                 </a:spcAft>
               </a:pPr>
               <a:r>
-                <a:rPr sz="1828" b="1">
+                <a:rPr sz="1600" b="1">
                   <a:solidFill>
                     <a:srgbClr val="000000">
                       <a:alpha val="100000"/>
@@ -4428,21 +4170,21 @@
                   <a:latin typeface="Arial"/>
                   <a:cs typeface="Arial"/>
                 </a:rPr>
-                <a:t>Impact of the psychosis disorder on financial situation</a:t>
+                <a:t>Impact of the psychosis disorder on the financial situation</a:t>
               </a:r>
             </a:p>
           </p:txBody>
         </p:sp>
         <p:sp>
           <p:nvSpPr>
-            <p:cNvPr id="56" name="tx56"/>
-            <p:cNvSpPr/>
-            <p:nvPr/>
-          </p:nvSpPr>
-          <p:spPr>
-            <a:xfrm>
-              <a:off x="1084970" y="1214720"/>
-              <a:ext cx="845457" cy="217941"/>
+            <p:cNvPr id="50" name="tx50"/>
+            <p:cNvSpPr/>
+            <p:nvPr/>
+          </p:nvSpPr>
+          <p:spPr>
+            <a:xfrm>
+              <a:off x="1006499" y="1177180"/>
+              <a:ext cx="739775" cy="190698"/>
             </a:xfrm>
             <a:prstGeom prst="rect">
               <a:avLst/>
@@ -4455,7 +4197,7 @@
             <a:p>
               <a:pPr algn="l" marL="0" marR="0" indent="0">
                 <a:lnSpc>
-                  <a:spcPts val="1828"/>
+                  <a:spcPts val="1600"/>
                 </a:lnSpc>
                 <a:spcBef>
                   <a:spcPts val="0"/>
@@ -4465,7 +4207,7 @@
                 </a:spcAft>
               </a:pPr>
               <a:r>
-                <a:rPr sz="1828" b="1">
+                <a:rPr sz="1600" b="1">
                   <a:solidFill>
                     <a:srgbClr val="000000">
                       <a:alpha val="100000"/>

--- a/results/figures/pptx/impact_financial_situation.pptx
+++ b/results/figures/pptx/impact_financial_situation.pptx
@@ -2314,7 +2314,7 @@
           </p:nvSpPr>
           <p:spPr>
             <a:xfrm>
-              <a:off x="1006499" y="4657023"/>
+              <a:off x="1006499" y="4646375"/>
               <a:ext cx="7591732" cy="0"/>
             </a:xfrm>
             <a:custGeom>
@@ -2357,7 +2357,7 @@
           </p:nvSpPr>
           <p:spPr>
             <a:xfrm>
-              <a:off x="1006499" y="3225219"/>
+              <a:off x="1006499" y="3203924"/>
               <a:ext cx="7591732" cy="0"/>
             </a:xfrm>
             <a:custGeom>
@@ -2400,7 +2400,7 @@
           </p:nvSpPr>
           <p:spPr>
             <a:xfrm>
-              <a:off x="1006499" y="1793415"/>
+              <a:off x="1006499" y="1761473"/>
               <a:ext cx="7591732" cy="0"/>
             </a:xfrm>
             <a:custGeom>
@@ -2443,8 +2443,8 @@
           </p:nvSpPr>
           <p:spPr>
             <a:xfrm>
-              <a:off x="1190170" y="5500414"/>
-              <a:ext cx="1102025" cy="588412"/>
+              <a:off x="1190170" y="5382732"/>
+              <a:ext cx="1102025" cy="706094"/>
             </a:xfrm>
             <a:prstGeom prst="rect">
               <a:avLst/>
@@ -2469,8 +2469,8 @@
           </p:nvSpPr>
           <p:spPr>
             <a:xfrm>
-              <a:off x="2414643" y="2950627"/>
-              <a:ext cx="1102025" cy="3138199"/>
+              <a:off x="2414643" y="2961835"/>
+              <a:ext cx="1102025" cy="3126992"/>
             </a:xfrm>
             <a:prstGeom prst="rect">
               <a:avLst/>
@@ -2495,8 +2495,8 @@
           </p:nvSpPr>
           <p:spPr>
             <a:xfrm>
-              <a:off x="3639116" y="4519727"/>
-              <a:ext cx="1102025" cy="1569099"/>
+              <a:off x="3639116" y="4474895"/>
+              <a:ext cx="1102025" cy="1613931"/>
             </a:xfrm>
             <a:prstGeom prst="rect">
               <a:avLst/>
@@ -2521,8 +2521,8 @@
           </p:nvSpPr>
           <p:spPr>
             <a:xfrm>
-              <a:off x="4863589" y="2558352"/>
-              <a:ext cx="1102025" cy="3530474"/>
+              <a:off x="4863589" y="2860964"/>
+              <a:ext cx="1102025" cy="3227862"/>
             </a:xfrm>
             <a:prstGeom prst="rect">
               <a:avLst/>
@@ -2547,8 +2547,8 @@
           </p:nvSpPr>
           <p:spPr>
             <a:xfrm>
-              <a:off x="6088062" y="2852558"/>
-              <a:ext cx="1102025" cy="3236268"/>
+              <a:off x="6088062" y="2558352"/>
+              <a:ext cx="1102025" cy="3530474"/>
             </a:xfrm>
             <a:prstGeom prst="rect">
               <a:avLst/>
@@ -2573,8 +2573,8 @@
           </p:nvSpPr>
           <p:spPr>
             <a:xfrm>
-              <a:off x="7312535" y="3833245"/>
-              <a:ext cx="1102025" cy="2255581"/>
+              <a:off x="7312535" y="3869671"/>
+              <a:ext cx="1102025" cy="2219155"/>
             </a:xfrm>
             <a:prstGeom prst="rect">
               <a:avLst/>
@@ -2599,8 +2599,8 @@
           </p:nvSpPr>
           <p:spPr>
             <a:xfrm>
-              <a:off x="1690941" y="4913425"/>
-              <a:ext cx="100482" cy="132065"/>
+              <a:off x="1690941" y="4800154"/>
+              <a:ext cx="100482" cy="127654"/>
             </a:xfrm>
             <a:prstGeom prst="rect">
               <a:avLst/>
@@ -2632,7 +2632,7 @@
                   <a:latin typeface="Arial"/>
                   <a:cs typeface="Arial"/>
                 </a:rPr>
-                <a:t>6</a:t>
+                <a:t>7</a:t>
               </a:r>
             </a:p>
           </p:txBody>
@@ -2645,7 +2645,7 @@
           </p:nvSpPr>
           <p:spPr>
             <a:xfrm>
-              <a:off x="1550451" y="5136103"/>
+              <a:off x="1550451" y="5018421"/>
               <a:ext cx="381464" cy="169559"/>
             </a:xfrm>
             <a:prstGeom prst="rect">
@@ -2678,7 +2678,7 @@
                   <a:latin typeface="Arial"/>
                   <a:cs typeface="Arial"/>
                 </a:rPr>
-                <a:t>(4%)</a:t>
+                <a:t>(5%)</a:t>
               </a:r>
             </a:p>
           </p:txBody>
@@ -2691,7 +2691,191 @@
           </p:nvSpPr>
           <p:spPr>
             <a:xfrm>
-              <a:off x="2865173" y="2363549"/>
+              <a:off x="2865173" y="2374757"/>
+              <a:ext cx="200965" cy="132153"/>
+            </a:xfrm>
+            <a:prstGeom prst="rect">
+              <a:avLst/>
+            </a:prstGeom>
+            <a:noFill/>
+          </p:spPr>
+          <p:txBody>
+            <a:bodyPr lIns="0" rIns="0" tIns="0" bIns="0" anchorCtr="1" anchor="ctr" wrap="none"/>
+            <a:lstStyle/>
+            <a:p>
+              <a:pPr algn="l" marL="0" marR="0" indent="0">
+                <a:lnSpc>
+                  <a:spcPts val="1422"/>
+                </a:lnSpc>
+                <a:spcBef>
+                  <a:spcPts val="0"/>
+                </a:spcBef>
+                <a:spcAft>
+                  <a:spcPts val="0"/>
+                </a:spcAft>
+              </a:pPr>
+              <a:r>
+                <a:rPr sz="1422">
+                  <a:solidFill>
+                    <a:srgbClr val="000000">
+                      <a:alpha val="100000"/>
+                    </a:srgbClr>
+                  </a:solidFill>
+                  <a:latin typeface="Arial"/>
+                  <a:cs typeface="Arial"/>
+                </a:rPr>
+                <a:t>31</a:t>
+              </a:r>
+            </a:p>
+          </p:txBody>
+        </p:sp>
+        <p:sp>
+          <p:nvSpPr>
+            <p:cNvPr id="17" name="tx17"/>
+            <p:cNvSpPr/>
+            <p:nvPr/>
+          </p:nvSpPr>
+          <p:spPr>
+            <a:xfrm>
+              <a:off x="2724682" y="2597524"/>
+              <a:ext cx="481947" cy="169559"/>
+            </a:xfrm>
+            <a:prstGeom prst="rect">
+              <a:avLst/>
+            </a:prstGeom>
+            <a:noFill/>
+          </p:spPr>
+          <p:txBody>
+            <a:bodyPr lIns="0" rIns="0" tIns="0" bIns="0" anchorCtr="1" anchor="ctr" wrap="none"/>
+            <a:lstStyle/>
+            <a:p>
+              <a:pPr algn="l" marL="0" marR="0" indent="0">
+                <a:lnSpc>
+                  <a:spcPts val="1422"/>
+                </a:lnSpc>
+                <a:spcBef>
+                  <a:spcPts val="0"/>
+                </a:spcBef>
+                <a:spcAft>
+                  <a:spcPts val="0"/>
+                </a:spcAft>
+              </a:pPr>
+              <a:r>
+                <a:rPr sz="1422">
+                  <a:solidFill>
+                    <a:srgbClr val="000000">
+                      <a:alpha val="100000"/>
+                    </a:srgbClr>
+                  </a:solidFill>
+                  <a:latin typeface="Arial"/>
+                  <a:cs typeface="Arial"/>
+                </a:rPr>
+                <a:t>(22%)</a:t>
+              </a:r>
+            </a:p>
+          </p:txBody>
+        </p:sp>
+        <p:sp>
+          <p:nvSpPr>
+            <p:cNvPr id="18" name="tx18"/>
+            <p:cNvSpPr/>
+            <p:nvPr/>
+          </p:nvSpPr>
+          <p:spPr>
+            <a:xfrm>
+              <a:off x="4089646" y="3887906"/>
+              <a:ext cx="200965" cy="132065"/>
+            </a:xfrm>
+            <a:prstGeom prst="rect">
+              <a:avLst/>
+            </a:prstGeom>
+            <a:noFill/>
+          </p:spPr>
+          <p:txBody>
+            <a:bodyPr lIns="0" rIns="0" tIns="0" bIns="0" anchorCtr="1" anchor="ctr" wrap="none"/>
+            <a:lstStyle/>
+            <a:p>
+              <a:pPr algn="l" marL="0" marR="0" indent="0">
+                <a:lnSpc>
+                  <a:spcPts val="1422"/>
+                </a:lnSpc>
+                <a:spcBef>
+                  <a:spcPts val="0"/>
+                </a:spcBef>
+                <a:spcAft>
+                  <a:spcPts val="0"/>
+                </a:spcAft>
+              </a:pPr>
+              <a:r>
+                <a:rPr sz="1422">
+                  <a:solidFill>
+                    <a:srgbClr val="000000">
+                      <a:alpha val="100000"/>
+                    </a:srgbClr>
+                  </a:solidFill>
+                  <a:latin typeface="Arial"/>
+                  <a:cs typeface="Arial"/>
+                </a:rPr>
+                <a:t>16</a:t>
+              </a:r>
+            </a:p>
+          </p:txBody>
+        </p:sp>
+        <p:sp>
+          <p:nvSpPr>
+            <p:cNvPr id="19" name="tx19"/>
+            <p:cNvSpPr/>
+            <p:nvPr/>
+          </p:nvSpPr>
+          <p:spPr>
+            <a:xfrm>
+              <a:off x="3949155" y="4110585"/>
+              <a:ext cx="481947" cy="169559"/>
+            </a:xfrm>
+            <a:prstGeom prst="rect">
+              <a:avLst/>
+            </a:prstGeom>
+            <a:noFill/>
+          </p:spPr>
+          <p:txBody>
+            <a:bodyPr lIns="0" rIns="0" tIns="0" bIns="0" anchorCtr="1" anchor="ctr" wrap="none"/>
+            <a:lstStyle/>
+            <a:p>
+              <a:pPr algn="l" marL="0" marR="0" indent="0">
+                <a:lnSpc>
+                  <a:spcPts val="1422"/>
+                </a:lnSpc>
+                <a:spcBef>
+                  <a:spcPts val="0"/>
+                </a:spcBef>
+                <a:spcAft>
+                  <a:spcPts val="0"/>
+                </a:spcAft>
+              </a:pPr>
+              <a:r>
+                <a:rPr sz="1422">
+                  <a:solidFill>
+                    <a:srgbClr val="000000">
+                      <a:alpha val="100000"/>
+                    </a:srgbClr>
+                  </a:solidFill>
+                  <a:latin typeface="Arial"/>
+                  <a:cs typeface="Arial"/>
+                </a:rPr>
+                <a:t>(11%)</a:t>
+              </a:r>
+            </a:p>
+          </p:txBody>
+        </p:sp>
+        <p:sp>
+          <p:nvSpPr>
+            <p:cNvPr id="20" name="tx20"/>
+            <p:cNvSpPr/>
+            <p:nvPr/>
+          </p:nvSpPr>
+          <p:spPr>
+            <a:xfrm>
+              <a:off x="5314119" y="2273887"/>
               <a:ext cx="200965" cy="132153"/>
             </a:xfrm>
             <a:prstGeom prst="rect">
@@ -2731,13 +2915,13 @@
         </p:sp>
         <p:sp>
           <p:nvSpPr>
-            <p:cNvPr id="17" name="tx17"/>
-            <p:cNvSpPr/>
-            <p:nvPr/>
-          </p:nvSpPr>
-          <p:spPr>
-            <a:xfrm>
-              <a:off x="2724682" y="2586316"/>
+            <p:cNvPr id="21" name="tx21"/>
+            <p:cNvSpPr/>
+            <p:nvPr/>
+          </p:nvSpPr>
+          <p:spPr>
+            <a:xfrm>
+              <a:off x="5173628" y="2496653"/>
               <a:ext cx="481947" cy="169559"/>
             </a:xfrm>
             <a:prstGeom prst="rect">
@@ -2777,14 +2961,14 @@
         </p:sp>
         <p:sp>
           <p:nvSpPr>
-            <p:cNvPr id="18" name="tx18"/>
-            <p:cNvSpPr/>
-            <p:nvPr/>
-          </p:nvSpPr>
-          <p:spPr>
-            <a:xfrm>
-              <a:off x="4089646" y="3932738"/>
-              <a:ext cx="200965" cy="132065"/>
+            <p:cNvPr id="22" name="tx22"/>
+            <p:cNvSpPr/>
+            <p:nvPr/>
+          </p:nvSpPr>
+          <p:spPr>
+            <a:xfrm>
+              <a:off x="6538592" y="1971274"/>
+              <a:ext cx="200965" cy="132153"/>
             </a:xfrm>
             <a:prstGeom prst="rect">
               <a:avLst/>
@@ -2816,20 +3000,20 @@
                   <a:latin typeface="Arial"/>
                   <a:cs typeface="Arial"/>
                 </a:rPr>
-                <a:t>16</a:t>
+                <a:t>35</a:t>
               </a:r>
             </a:p>
           </p:txBody>
         </p:sp>
         <p:sp>
           <p:nvSpPr>
-            <p:cNvPr id="19" name="tx19"/>
-            <p:cNvSpPr/>
-            <p:nvPr/>
-          </p:nvSpPr>
-          <p:spPr>
-            <a:xfrm>
-              <a:off x="3949155" y="4155416"/>
+            <p:cNvPr id="23" name="tx23"/>
+            <p:cNvSpPr/>
+            <p:nvPr/>
+          </p:nvSpPr>
+          <p:spPr>
+            <a:xfrm>
+              <a:off x="6398101" y="2194041"/>
               <a:ext cx="481947" cy="169559"/>
             </a:xfrm>
             <a:prstGeom prst="rect">
@@ -2862,21 +3046,21 @@
                   <a:latin typeface="Arial"/>
                   <a:cs typeface="Arial"/>
                 </a:rPr>
-                <a:t>(11%)</a:t>
+                <a:t>(24%)</a:t>
               </a:r>
             </a:p>
           </p:txBody>
         </p:sp>
         <p:sp>
           <p:nvSpPr>
-            <p:cNvPr id="20" name="tx20"/>
-            <p:cNvSpPr/>
-            <p:nvPr/>
-          </p:nvSpPr>
-          <p:spPr>
-            <a:xfrm>
-              <a:off x="5314119" y="1971274"/>
-              <a:ext cx="200965" cy="132153"/>
+            <p:cNvPr id="24" name="tx24"/>
+            <p:cNvSpPr/>
+            <p:nvPr/>
+          </p:nvSpPr>
+          <p:spPr>
+            <a:xfrm>
+              <a:off x="7763065" y="3284887"/>
+              <a:ext cx="200965" cy="129860"/>
             </a:xfrm>
             <a:prstGeom prst="rect">
               <a:avLst/>
@@ -2908,20 +3092,20 @@
                   <a:latin typeface="Arial"/>
                   <a:cs typeface="Arial"/>
                 </a:rPr>
-                <a:t>36</a:t>
+                <a:t>22</a:t>
               </a:r>
             </a:p>
           </p:txBody>
         </p:sp>
         <p:sp>
           <p:nvSpPr>
-            <p:cNvPr id="21" name="tx21"/>
-            <p:cNvSpPr/>
-            <p:nvPr/>
-          </p:nvSpPr>
-          <p:spPr>
-            <a:xfrm>
-              <a:off x="5173628" y="2194041"/>
+            <p:cNvPr id="25" name="tx25"/>
+            <p:cNvSpPr/>
+            <p:nvPr/>
+          </p:nvSpPr>
+          <p:spPr>
+            <a:xfrm>
+              <a:off x="7622574" y="3505360"/>
               <a:ext cx="481947" cy="169559"/>
             </a:xfrm>
             <a:prstGeom prst="rect">
@@ -2954,191 +3138,7 @@
                   <a:latin typeface="Arial"/>
                   <a:cs typeface="Arial"/>
                 </a:rPr>
-                <a:t>(25%)</a:t>
-              </a:r>
-            </a:p>
-          </p:txBody>
-        </p:sp>
-        <p:sp>
-          <p:nvSpPr>
-            <p:cNvPr id="22" name="tx22"/>
-            <p:cNvSpPr/>
-            <p:nvPr/>
-          </p:nvSpPr>
-          <p:spPr>
-            <a:xfrm>
-              <a:off x="6538592" y="2265481"/>
-              <a:ext cx="200965" cy="132153"/>
-            </a:xfrm>
-            <a:prstGeom prst="rect">
-              <a:avLst/>
-            </a:prstGeom>
-            <a:noFill/>
-          </p:spPr>
-          <p:txBody>
-            <a:bodyPr lIns="0" rIns="0" tIns="0" bIns="0" anchorCtr="1" anchor="ctr" wrap="none"/>
-            <a:lstStyle/>
-            <a:p>
-              <a:pPr algn="l" marL="0" marR="0" indent="0">
-                <a:lnSpc>
-                  <a:spcPts val="1422"/>
-                </a:lnSpc>
-                <a:spcBef>
-                  <a:spcPts val="0"/>
-                </a:spcBef>
-                <a:spcAft>
-                  <a:spcPts val="0"/>
-                </a:spcAft>
-              </a:pPr>
-              <a:r>
-                <a:rPr sz="1422">
-                  <a:solidFill>
-                    <a:srgbClr val="000000">
-                      <a:alpha val="100000"/>
-                    </a:srgbClr>
-                  </a:solidFill>
-                  <a:latin typeface="Arial"/>
-                  <a:cs typeface="Arial"/>
-                </a:rPr>
-                <a:t>33</a:t>
-              </a:r>
-            </a:p>
-          </p:txBody>
-        </p:sp>
-        <p:sp>
-          <p:nvSpPr>
-            <p:cNvPr id="23" name="tx23"/>
-            <p:cNvSpPr/>
-            <p:nvPr/>
-          </p:nvSpPr>
-          <p:spPr>
-            <a:xfrm>
-              <a:off x="6398101" y="2488247"/>
-              <a:ext cx="481947" cy="169559"/>
-            </a:xfrm>
-            <a:prstGeom prst="rect">
-              <a:avLst/>
-            </a:prstGeom>
-            <a:noFill/>
-          </p:spPr>
-          <p:txBody>
-            <a:bodyPr lIns="0" rIns="0" tIns="0" bIns="0" anchorCtr="1" anchor="ctr" wrap="none"/>
-            <a:lstStyle/>
-            <a:p>
-              <a:pPr algn="l" marL="0" marR="0" indent="0">
-                <a:lnSpc>
-                  <a:spcPts val="1422"/>
-                </a:lnSpc>
-                <a:spcBef>
-                  <a:spcPts val="0"/>
-                </a:spcBef>
-                <a:spcAft>
-                  <a:spcPts val="0"/>
-                </a:spcAft>
-              </a:pPr>
-              <a:r>
-                <a:rPr sz="1422">
-                  <a:solidFill>
-                    <a:srgbClr val="000000">
-                      <a:alpha val="100000"/>
-                    </a:srgbClr>
-                  </a:solidFill>
-                  <a:latin typeface="Arial"/>
-                  <a:cs typeface="Arial"/>
-                </a:rPr>
-                <a:t>(23%)</a:t>
-              </a:r>
-            </a:p>
-          </p:txBody>
-        </p:sp>
-        <p:sp>
-          <p:nvSpPr>
-            <p:cNvPr id="24" name="tx24"/>
-            <p:cNvSpPr/>
-            <p:nvPr/>
-          </p:nvSpPr>
-          <p:spPr>
-            <a:xfrm>
-              <a:off x="7763065" y="3246168"/>
-              <a:ext cx="200965" cy="132153"/>
-            </a:xfrm>
-            <a:prstGeom prst="rect">
-              <a:avLst/>
-            </a:prstGeom>
-            <a:noFill/>
-          </p:spPr>
-          <p:txBody>
-            <a:bodyPr lIns="0" rIns="0" tIns="0" bIns="0" anchorCtr="1" anchor="ctr" wrap="none"/>
-            <a:lstStyle/>
-            <a:p>
-              <a:pPr algn="l" marL="0" marR="0" indent="0">
-                <a:lnSpc>
-                  <a:spcPts val="1422"/>
-                </a:lnSpc>
-                <a:spcBef>
-                  <a:spcPts val="0"/>
-                </a:spcBef>
-                <a:spcAft>
-                  <a:spcPts val="0"/>
-                </a:spcAft>
-              </a:pPr>
-              <a:r>
-                <a:rPr sz="1422">
-                  <a:solidFill>
-                    <a:srgbClr val="000000">
-                      <a:alpha val="100000"/>
-                    </a:srgbClr>
-                  </a:solidFill>
-                  <a:latin typeface="Arial"/>
-                  <a:cs typeface="Arial"/>
-                </a:rPr>
-                <a:t>23</a:t>
-              </a:r>
-            </a:p>
-          </p:txBody>
-        </p:sp>
-        <p:sp>
-          <p:nvSpPr>
-            <p:cNvPr id="25" name="tx25"/>
-            <p:cNvSpPr/>
-            <p:nvPr/>
-          </p:nvSpPr>
-          <p:spPr>
-            <a:xfrm>
-              <a:off x="7622574" y="3468935"/>
-              <a:ext cx="481947" cy="169559"/>
-            </a:xfrm>
-            <a:prstGeom prst="rect">
-              <a:avLst/>
-            </a:prstGeom>
-            <a:noFill/>
-          </p:spPr>
-          <p:txBody>
-            <a:bodyPr lIns="0" rIns="0" tIns="0" bIns="0" anchorCtr="1" anchor="ctr" wrap="none"/>
-            <a:lstStyle/>
-            <a:p>
-              <a:pPr algn="l" marL="0" marR="0" indent="0">
-                <a:lnSpc>
-                  <a:spcPts val="1422"/>
-                </a:lnSpc>
-                <a:spcBef>
-                  <a:spcPts val="0"/>
-                </a:spcBef>
-                <a:spcAft>
-                  <a:spcPts val="0"/>
-                </a:spcAft>
-              </a:pPr>
-              <a:r>
-                <a:rPr sz="1422">
-                  <a:solidFill>
-                    <a:srgbClr val="000000">
-                      <a:alpha val="100000"/>
-                    </a:srgbClr>
-                  </a:solidFill>
-                  <a:latin typeface="Arial"/>
-                  <a:cs typeface="Arial"/>
-                </a:rPr>
-                <a:t>(16%)</a:t>
+                <a:t>(15%)</a:t>
               </a:r>
             </a:p>
           </p:txBody>
@@ -3237,7 +3237,7 @@
           </p:nvSpPr>
           <p:spPr>
             <a:xfrm>
-              <a:off x="754742" y="4600171"/>
+              <a:off x="754742" y="4589523"/>
               <a:ext cx="169515" cy="111397"/>
             </a:xfrm>
             <a:prstGeom prst="rect">
@@ -3283,7 +3283,7 @@
           </p:nvSpPr>
           <p:spPr>
             <a:xfrm>
-              <a:off x="754742" y="3168367"/>
+              <a:off x="754742" y="3147072"/>
               <a:ext cx="169515" cy="111397"/>
             </a:xfrm>
             <a:prstGeom prst="rect">
@@ -3329,7 +3329,7 @@
           </p:nvSpPr>
           <p:spPr>
             <a:xfrm>
-              <a:off x="754742" y="1736489"/>
+              <a:off x="754742" y="1704546"/>
               <a:ext cx="169515" cy="111472"/>
             </a:xfrm>
             <a:prstGeom prst="rect">
@@ -3415,7 +3415,7 @@
           </p:nvSpPr>
           <p:spPr>
             <a:xfrm>
-              <a:off x="962215" y="4657023"/>
+              <a:off x="962215" y="4646375"/>
               <a:ext cx="44283" cy="0"/>
             </a:xfrm>
             <a:custGeom>
@@ -3455,7 +3455,7 @@
           </p:nvSpPr>
           <p:spPr>
             <a:xfrm>
-              <a:off x="962215" y="3225219"/>
+              <a:off x="962215" y="3203924"/>
               <a:ext cx="44283" cy="0"/>
             </a:xfrm>
             <a:custGeom>
@@ -3495,7 +3495,7 @@
           </p:nvSpPr>
           <p:spPr>
             <a:xfrm>
-              <a:off x="962215" y="1793415"/>
+              <a:off x="962215" y="1761473"/>
               <a:ext cx="44283" cy="0"/>
             </a:xfrm>
             <a:custGeom>
@@ -4216,7 +4216,7 @@
                   <a:latin typeface="Arial"/>
                   <a:cs typeface="Arial"/>
                 </a:rPr>
-                <a:t>(N=146)</a:t>
+                <a:t>(N=143)</a:t>
               </a:r>
             </a:p>
           </p:txBody>
